--- a/Presentation/Team Report.pptx
+++ b/Presentation/Team Report.pptx
@@ -8,8 +8,8 @@
     <p:sldId id="256" r:id="rId2"/>
     <p:sldId id="260" r:id="rId3"/>
     <p:sldId id="257" r:id="rId4"/>
-    <p:sldId id="258" r:id="rId5"/>
-    <p:sldId id="259" r:id="rId6"/>
+    <p:sldId id="259" r:id="rId5"/>
+    <p:sldId id="258" r:id="rId6"/>
   </p:sldIdLst>
   <p:sldSz cx="12192000" cy="6858000"/>
   <p:notesSz cx="6858000" cy="9144000"/>
@@ -5782,6 +5782,28 @@
           <a:bodyPr/>
           <a:lstStyle/>
           <a:p>
+            <a:r>
+              <a:rPr lang="en-US" sz="2400" dirty="0"/>
+              <a:t>The scenario for our game will be set in a deep dark cave with a red dragon who is the keeper of the cave. The dragon is watcher of the large stash of gold and precious jewels. The point of the game will be for the party to traverse the cave. In the cave there are </a:t>
+            </a:r>
+            <a:r>
+              <a:rPr lang="en-US" sz="2400" dirty="0" smtClean="0"/>
+              <a:t>cave </a:t>
+            </a:r>
+            <a:r>
+              <a:rPr lang="en-US" sz="2400" dirty="0"/>
+              <a:t>monsters, and minions of the dragon. The monsters are under the dragons command to keep outsiders from getting the stash of goods that are in the cave. The party, the good guys, must battle with, the bad guys, the monsters loosing life and </a:t>
+            </a:r>
+            <a:r>
+              <a:rPr lang="en-US" sz="2400" dirty="0" err="1"/>
+              <a:t>mana</a:t>
+            </a:r>
+            <a:r>
+              <a:rPr lang="en-US" sz="2400" dirty="0"/>
+              <a:t> for the goal of defeating the dragon and obtaining the reward of the stash of gold and the jewels.</a:t>
+            </a:r>
+          </a:p>
+          <a:p>
             <a:endParaRPr lang="en-US" dirty="0"/>
           </a:p>
         </p:txBody>
@@ -5840,7 +5862,7 @@
           <a:p>
             <a:r>
               <a:rPr lang="en-US" dirty="0" smtClean="0"/>
-              <a:t>Our design</a:t>
+              <a:t>Our High level design</a:t>
             </a:r>
             <a:endParaRPr lang="en-US" dirty="0"/>
           </a:p>
@@ -5945,7 +5967,7 @@
           <a:p>
             <a:r>
               <a:rPr lang="en-US" dirty="0" smtClean="0"/>
-              <a:t>Character System</a:t>
+              <a:t>Dungeon System</a:t>
             </a:r>
             <a:endParaRPr lang="en-US" dirty="0"/>
           </a:p>
@@ -5967,42 +5989,27 @@
           <a:lstStyle/>
           <a:p>
             <a:r>
-              <a:rPr lang="en-US" dirty="0"/>
-              <a:t> Focus on what OO you have in place (interfaces, abstract classes, design principles, and of course patterns). </a:t>
-            </a:r>
-            <a:endParaRPr lang="en-US" dirty="0" smtClean="0"/>
-          </a:p>
-          <a:p>
-            <a:r>
               <a:rPr lang="en-US" dirty="0" smtClean="0"/>
-              <a:t>Character is an abstract class. It holds data and methods that both enemy characters as well as player character need for a battle.</a:t>
-            </a:r>
-          </a:p>
-          <a:p>
-            <a:r>
-              <a:rPr lang="en-US" dirty="0" err="1" smtClean="0"/>
-              <a:t>AbilitiesHolder</a:t>
-            </a:r>
+              <a:t>Manages the grid where the players and enemies interact.</a:t>
+            </a:r>
+          </a:p>
+          <a:p>
             <a:r>
               <a:rPr lang="en-US" dirty="0" smtClean="0"/>
-              <a:t> is an abstract class because both players and enemies have abilities, however they are used in different ways. Players get their abilities from leveling, while enemies just get them handed to them. Players use those abilities via input. Enemies use their abilities via algorithms.</a:t>
+              <a:t>It decides when a battle occurs either via randomness or reaching set tiles, such as the dragon tile.</a:t>
             </a:r>
           </a:p>
           <a:p>
             <a:r>
               <a:rPr lang="en-US" dirty="0" smtClean="0"/>
-              <a:t>There is an </a:t>
-            </a:r>
-            <a:r>
-              <a:rPr lang="en-US" dirty="0" err="1" smtClean="0"/>
-              <a:t>AbilityIterator</a:t>
-            </a:r>
+              <a:t>Tiles can have items, represent by a chest, that the player can get into their inventory.</a:t>
+            </a:r>
+          </a:p>
+          <a:p>
             <a:r>
               <a:rPr lang="en-US" dirty="0" smtClean="0"/>
-              <a:t> that goes through the abilities and allows access to a specific ones.</a:t>
-            </a:r>
-          </a:p>
-          <a:p>
+              <a:t>Tiles can be walls well.</a:t>
+            </a:r>
             <a:endParaRPr lang="en-US" dirty="0"/>
           </a:p>
         </p:txBody>
@@ -6010,7 +6017,7 @@
     </p:spTree>
     <p:extLst>
       <p:ext uri="{BB962C8B-B14F-4D97-AF65-F5344CB8AC3E}">
-        <p14:creationId xmlns:p14="http://schemas.microsoft.com/office/powerpoint/2010/main" val="1188051609"/>
+        <p14:creationId xmlns:p14="http://schemas.microsoft.com/office/powerpoint/2010/main" val="1025507433"/>
       </p:ext>
     </p:extLst>
   </p:cSld>
@@ -6061,7 +6068,7 @@
           <a:p>
             <a:r>
               <a:rPr lang="en-US" dirty="0" smtClean="0"/>
-              <a:t>Dungeon System</a:t>
+              <a:t>Character System</a:t>
             </a:r>
             <a:endParaRPr lang="en-US" dirty="0"/>
           </a:p>
@@ -6082,28 +6089,42 @@
           <a:bodyPr/>
           <a:lstStyle/>
           <a:p>
+            <a:pPr marL="0" indent="0">
+              <a:buNone/>
+            </a:pPr>
+            <a:endParaRPr lang="en-US" dirty="0" smtClean="0"/>
+          </a:p>
+          <a:p>
             <a:r>
               <a:rPr lang="en-US" dirty="0" smtClean="0"/>
-              <a:t>Manages the grid where the players and enemies interact.</a:t>
-            </a:r>
-          </a:p>
-          <a:p>
+              <a:t>Character is an abstract class. It holds data and methods that both enemy characters as well as player character need for a battle.</a:t>
+            </a:r>
+          </a:p>
+          <a:p>
+            <a:r>
+              <a:rPr lang="en-US" dirty="0" err="1" smtClean="0"/>
+              <a:t>AbilitiesHolder</a:t>
+            </a:r>
             <a:r>
               <a:rPr lang="en-US" dirty="0" smtClean="0"/>
-              <a:t>It decides when a battle occurs either via randomness or reaching set tiles, such as the dragon tile.</a:t>
+              <a:t> is an abstract class because both players and enemies have abilities, however they are used in different ways. Players get their abilities from leveling, while enemies just get them handed to them. Players use those abilities via input. Enemies use their abilities via algorithms.</a:t>
             </a:r>
           </a:p>
           <a:p>
             <a:r>
               <a:rPr lang="en-US" dirty="0" smtClean="0"/>
-              <a:t>Tiles can have items, represent by a chest, that the player can get into their inventory.</a:t>
-            </a:r>
-          </a:p>
-          <a:p>
+              <a:t>There is an </a:t>
+            </a:r>
+            <a:r>
+              <a:rPr lang="en-US" dirty="0" err="1" smtClean="0"/>
+              <a:t>AbilityIterator</a:t>
+            </a:r>
             <a:r>
               <a:rPr lang="en-US" dirty="0" smtClean="0"/>
-              <a:t>Tiles can be walls well.</a:t>
-            </a:r>
+              <a:t> that goes through the abilities and allows access to a specific ones.</a:t>
+            </a:r>
+          </a:p>
+          <a:p>
             <a:endParaRPr lang="en-US" dirty="0"/>
           </a:p>
         </p:txBody>
@@ -6111,7 +6132,7 @@
     </p:spTree>
     <p:extLst>
       <p:ext uri="{BB962C8B-B14F-4D97-AF65-F5344CB8AC3E}">
-        <p14:creationId xmlns:p14="http://schemas.microsoft.com/office/powerpoint/2010/main" val="1025507433"/>
+        <p14:creationId xmlns:p14="http://schemas.microsoft.com/office/powerpoint/2010/main" val="1188051609"/>
       </p:ext>
     </p:extLst>
   </p:cSld>

--- a/Presentation/Team Report.pptx
+++ b/Presentation/Team Report.pptx
@@ -108,6 +108,11 @@
       </a:defRPr>
     </a:lvl9pPr>
   </p:defaultTextStyle>
+  <p:extLst>
+    <p:ext uri="{EFAFB233-063F-42B5-8137-9DF3F51BA10A}">
+      <p15:sldGuideLst xmlns:p15="http://schemas.microsoft.com/office/powerpoint/2012/main"/>
+    </p:ext>
+  </p:extLst>
 </p:presentation>
 </file>
 
@@ -281,7 +286,7 @@
           <a:p>
             <a:fld id="{48A87A34-81AB-432B-8DAE-1953F412C126}" type="datetimeFigureOut">
               <a:rPr lang="en-US" dirty="0"/>
-              <a:t>2/21/2014</a:t>
+              <a:t>2/24/2014</a:t>
             </a:fld>
             <a:endParaRPr lang="en-US" dirty="0"/>
           </a:p>
@@ -543,7 +548,7 @@
           <a:p>
             <a:fld id="{48A87A34-81AB-432B-8DAE-1953F412C126}" type="datetimeFigureOut">
               <a:rPr lang="en-US" dirty="0"/>
-              <a:t>2/21/2014</a:t>
+              <a:t>2/24/2014</a:t>
             </a:fld>
             <a:endParaRPr lang="en-US" dirty="0"/>
           </a:p>
@@ -770,7 +775,7 @@
             <a:fld id="{48A87A34-81AB-432B-8DAE-1953F412C126}" type="datetimeFigureOut">
               <a:rPr lang="en-US" dirty="0"/>
               <a:pPr/>
-              <a:t>2/21/2014</a:t>
+              <a:t>2/24/2014</a:t>
             </a:fld>
             <a:endParaRPr lang="en-US" dirty="0"/>
           </a:p>
@@ -1076,7 +1081,7 @@
             <a:fld id="{48A87A34-81AB-432B-8DAE-1953F412C126}" type="datetimeFigureOut">
               <a:rPr lang="en-US" dirty="0"/>
               <a:pPr/>
-              <a:t>2/21/2014</a:t>
+              <a:t>2/24/2014</a:t>
             </a:fld>
             <a:endParaRPr lang="en-US" dirty="0"/>
           </a:p>
@@ -1545,7 +1550,7 @@
             <a:fld id="{48A87A34-81AB-432B-8DAE-1953F412C126}" type="datetimeFigureOut">
               <a:rPr lang="en-US" dirty="0"/>
               <a:pPr/>
-              <a:t>2/21/2014</a:t>
+              <a:t>2/24/2014</a:t>
             </a:fld>
             <a:endParaRPr lang="en-US" dirty="0"/>
           </a:p>
@@ -2087,7 +2092,7 @@
           <a:p>
             <a:fld id="{48A87A34-81AB-432B-8DAE-1953F412C126}" type="datetimeFigureOut">
               <a:rPr lang="en-US" dirty="0"/>
-              <a:t>2/21/2014</a:t>
+              <a:t>2/24/2014</a:t>
             </a:fld>
             <a:endParaRPr lang="en-US" dirty="0"/>
           </a:p>
@@ -2856,7 +2861,7 @@
           <a:p>
             <a:fld id="{48A87A34-81AB-432B-8DAE-1953F412C126}" type="datetimeFigureOut">
               <a:rPr lang="en-US" dirty="0"/>
-              <a:t>2/21/2014</a:t>
+              <a:t>2/24/2014</a:t>
             </a:fld>
             <a:endParaRPr lang="en-US" dirty="0"/>
           </a:p>
@@ -3026,7 +3031,7 @@
           <a:p>
             <a:fld id="{48A87A34-81AB-432B-8DAE-1953F412C126}" type="datetimeFigureOut">
               <a:rPr lang="en-US" dirty="0"/>
-              <a:t>2/21/2014</a:t>
+              <a:t>2/24/2014</a:t>
             </a:fld>
             <a:endParaRPr lang="en-US" dirty="0"/>
           </a:p>
@@ -3245,7 +3250,7 @@
             <a:fld id="{48A87A34-81AB-432B-8DAE-1953F412C126}" type="datetimeFigureOut">
               <a:rPr lang="en-US" dirty="0"/>
               <a:pPr/>
-              <a:t>2/21/2014</a:t>
+              <a:t>2/24/2014</a:t>
             </a:fld>
             <a:endParaRPr lang="en-US" dirty="0"/>
           </a:p>
@@ -3420,7 +3425,7 @@
           <a:p>
             <a:fld id="{48A87A34-81AB-432B-8DAE-1953F412C126}" type="datetimeFigureOut">
               <a:rPr lang="en-US" dirty="0"/>
-              <a:t>2/21/2014</a:t>
+              <a:t>2/24/2014</a:t>
             </a:fld>
             <a:endParaRPr lang="en-US" dirty="0"/>
           </a:p>
@@ -3705,7 +3710,7 @@
             <a:fld id="{48A87A34-81AB-432B-8DAE-1953F412C126}" type="datetimeFigureOut">
               <a:rPr lang="en-US" dirty="0"/>
               <a:pPr/>
-              <a:t>2/21/2014</a:t>
+              <a:t>2/24/2014</a:t>
             </a:fld>
             <a:endParaRPr lang="en-US" dirty="0"/>
           </a:p>
@@ -3942,7 +3947,7 @@
           <a:p>
             <a:fld id="{48A87A34-81AB-432B-8DAE-1953F412C126}" type="datetimeFigureOut">
               <a:rPr lang="en-US" dirty="0"/>
-              <a:t>2/21/2014</a:t>
+              <a:t>2/24/2014</a:t>
             </a:fld>
             <a:endParaRPr lang="en-US" dirty="0"/>
           </a:p>
@@ -4316,7 +4321,7 @@
           <a:p>
             <a:fld id="{48A87A34-81AB-432B-8DAE-1953F412C126}" type="datetimeFigureOut">
               <a:rPr lang="en-US" dirty="0"/>
-              <a:t>2/21/2014</a:t>
+              <a:t>2/24/2014</a:t>
             </a:fld>
             <a:endParaRPr lang="en-US" dirty="0"/>
           </a:p>
@@ -4429,7 +4434,7 @@
           <a:p>
             <a:fld id="{48A87A34-81AB-432B-8DAE-1953F412C126}" type="datetimeFigureOut">
               <a:rPr lang="en-US" dirty="0"/>
-              <a:t>2/21/2014</a:t>
+              <a:t>2/24/2014</a:t>
             </a:fld>
             <a:endParaRPr lang="en-US" dirty="0"/>
           </a:p>
@@ -4519,7 +4524,7 @@
           <a:p>
             <a:fld id="{48A87A34-81AB-432B-8DAE-1953F412C126}" type="datetimeFigureOut">
               <a:rPr lang="en-US" dirty="0"/>
-              <a:t>2/21/2014</a:t>
+              <a:t>2/24/2014</a:t>
             </a:fld>
             <a:endParaRPr lang="en-US" dirty="0"/>
           </a:p>
@@ -4763,7 +4768,7 @@
           <a:p>
             <a:fld id="{48A87A34-81AB-432B-8DAE-1953F412C126}" type="datetimeFigureOut">
               <a:rPr lang="en-US" dirty="0"/>
-              <a:t>2/21/2014</a:t>
+              <a:t>2/24/2014</a:t>
             </a:fld>
             <a:endParaRPr lang="en-US" dirty="0"/>
           </a:p>
@@ -5015,7 +5020,7 @@
           <a:p>
             <a:fld id="{48A87A34-81AB-432B-8DAE-1953F412C126}" type="datetimeFigureOut">
               <a:rPr lang="en-US" dirty="0"/>
-              <a:t>2/21/2014</a:t>
+              <a:t>2/24/2014</a:t>
             </a:fld>
             <a:endParaRPr lang="en-US" dirty="0"/>
           </a:p>
@@ -5254,7 +5259,7 @@
             <a:fld id="{48A87A34-81AB-432B-8DAE-1953F412C126}" type="datetimeFigureOut">
               <a:rPr lang="en-US" dirty="0"/>
               <a:pPr/>
-              <a:t>2/21/2014</a:t>
+              <a:t>2/24/2014</a:t>
             </a:fld>
             <a:endParaRPr lang="en-US" dirty="0"/>
           </a:p>
@@ -6008,7 +6013,19 @@
           <a:p>
             <a:r>
               <a:rPr lang="en-US" dirty="0" smtClean="0"/>
-              <a:t>Tiles can be walls well.</a:t>
+              <a:t>Tiles can </a:t>
+            </a:r>
+            <a:r>
+              <a:rPr lang="en-US" smtClean="0"/>
+              <a:t>be </a:t>
+            </a:r>
+            <a:r>
+              <a:rPr lang="en-US" smtClean="0"/>
+              <a:t>walls as </a:t>
+            </a:r>
+            <a:r>
+              <a:rPr lang="en-US" dirty="0" smtClean="0"/>
+              <a:t>well.</a:t>
             </a:r>
             <a:endParaRPr lang="en-US" dirty="0"/>
           </a:p>

--- a/Presentation/Team Report.pptx
+++ b/Presentation/Team Report.pptx
@@ -10,6 +10,7 @@
     <p:sldId id="257" r:id="rId4"/>
     <p:sldId id="259" r:id="rId5"/>
     <p:sldId id="258" r:id="rId6"/>
+    <p:sldId id="261" r:id="rId7"/>
   </p:sldIdLst>
   <p:sldSz cx="12192000" cy="6858000"/>
   <p:notesSz cx="6858000" cy="9144000"/>
@@ -6013,14 +6014,10 @@
           <a:p>
             <a:r>
               <a:rPr lang="en-US" dirty="0" smtClean="0"/>
-              <a:t>Tiles can </a:t>
-            </a:r>
-            <a:r>
-              <a:rPr lang="en-US" smtClean="0"/>
-              <a:t>be </a:t>
-            </a:r>
-            <a:r>
-              <a:rPr lang="en-US" smtClean="0"/>
+              <a:t>Tiles can be </a:t>
+            </a:r>
+            <a:r>
+              <a:rPr lang="en-US" dirty="0" smtClean="0"/>
               <a:t>walls as </a:t>
             </a:r>
             <a:r>
@@ -6150,6 +6147,158 @@
     <p:extLst>
       <p:ext uri="{BB962C8B-B14F-4D97-AF65-F5344CB8AC3E}">
         <p14:creationId xmlns:p14="http://schemas.microsoft.com/office/powerpoint/2010/main" val="1188051609"/>
+      </p:ext>
+    </p:extLst>
+  </p:cSld>
+  <p:clrMapOvr>
+    <a:masterClrMapping/>
+  </p:clrMapOvr>
+  <p:timing>
+    <p:tnLst>
+      <p:par>
+        <p:cTn id="1" dur="indefinite" restart="never" nodeType="tmRoot"/>
+      </p:par>
+    </p:tnLst>
+  </p:timing>
+</p:sld>
+</file>
+
+<file path=ppt/slides/slide6.xml><?xml version="1.0" encoding="utf-8"?>
+<p:sld xmlns:a="http://schemas.openxmlformats.org/drawingml/2006/main" xmlns:r="http://schemas.openxmlformats.org/officeDocument/2006/relationships" xmlns:p="http://schemas.openxmlformats.org/presentationml/2006/main">
+  <p:cSld>
+    <p:spTree>
+      <p:nvGrpSpPr>
+        <p:cNvPr id="1" name=""/>
+        <p:cNvGrpSpPr/>
+        <p:nvPr/>
+      </p:nvGrpSpPr>
+      <p:grpSpPr>
+        <a:xfrm>
+          <a:off x="0" y="0"/>
+          <a:ext cx="0" cy="0"/>
+          <a:chOff x="0" y="0"/>
+          <a:chExt cx="0" cy="0"/>
+        </a:xfrm>
+      </p:grpSpPr>
+      <p:sp>
+        <p:nvSpPr>
+          <p:cNvPr id="2" name="Title 1"/>
+          <p:cNvSpPr>
+            <a:spLocks noGrp="1"/>
+          </p:cNvSpPr>
+          <p:nvPr>
+            <p:ph type="title"/>
+          </p:nvPr>
+        </p:nvSpPr>
+        <p:spPr/>
+        <p:txBody>
+          <a:bodyPr/>
+          <a:lstStyle/>
+          <a:p>
+            <a:r>
+              <a:rPr lang="en-US" dirty="0" smtClean="0"/>
+              <a:t>Battle System</a:t>
+            </a:r>
+            <a:endParaRPr lang="en-US" dirty="0"/>
+          </a:p>
+        </p:txBody>
+      </p:sp>
+      <p:sp>
+        <p:nvSpPr>
+          <p:cNvPr id="3" name="Content Placeholder 2"/>
+          <p:cNvSpPr>
+            <a:spLocks noGrp="1"/>
+          </p:cNvSpPr>
+          <p:nvPr>
+            <p:ph idx="1"/>
+          </p:nvPr>
+        </p:nvSpPr>
+        <p:spPr/>
+        <p:txBody>
+          <a:bodyPr/>
+          <a:lstStyle/>
+          <a:p>
+            <a:r>
+              <a:rPr lang="en-US" dirty="0" smtClean="0"/>
+              <a:t>Handles logic and events in a battle.</a:t>
+            </a:r>
+          </a:p>
+          <a:p>
+            <a:r>
+              <a:rPr lang="en-US" dirty="0" smtClean="0"/>
+              <a:t>Turn-based.</a:t>
+            </a:r>
+          </a:p>
+          <a:p>
+            <a:r>
+              <a:rPr lang="en-US" dirty="0" smtClean="0"/>
+              <a:t>Get </a:t>
+            </a:r>
+            <a:r>
+              <a:rPr lang="en-US" dirty="0"/>
+              <a:t>good and bad guys.</a:t>
+            </a:r>
+          </a:p>
+          <a:p>
+            <a:r>
+              <a:rPr lang="en-US" dirty="0" smtClean="0"/>
+              <a:t>Create </a:t>
+            </a:r>
+            <a:r>
+              <a:rPr lang="en-US" dirty="0"/>
+              <a:t>an array that can hold all characters.</a:t>
+            </a:r>
+          </a:p>
+          <a:p>
+            <a:r>
+              <a:rPr lang="en-US" dirty="0" smtClean="0"/>
+              <a:t>Sort </a:t>
+            </a:r>
+            <a:r>
+              <a:rPr lang="en-US" dirty="0"/>
+              <a:t>array by agility.</a:t>
+            </a:r>
+          </a:p>
+          <a:p>
+            <a:r>
+              <a:rPr lang="en-US" dirty="0" smtClean="0"/>
+              <a:t>Loop </a:t>
+            </a:r>
+            <a:r>
+              <a:rPr lang="en-US" dirty="0"/>
+              <a:t>through array, giving each character a turn. Start over at the first element you the last goes</a:t>
+            </a:r>
+            <a:r>
+              <a:rPr lang="en-US" dirty="0" smtClean="0"/>
+              <a:t>.</a:t>
+            </a:r>
+          </a:p>
+          <a:p>
+            <a:r>
+              <a:rPr lang="en-US" dirty="0" smtClean="0"/>
+              <a:t>For </a:t>
+            </a:r>
+            <a:r>
+              <a:rPr lang="en-US" dirty="0"/>
+              <a:t>each players turn, MATH and handle choices</a:t>
+            </a:r>
+            <a:r>
+              <a:rPr lang="en-US" dirty="0" smtClean="0"/>
+              <a:t>.</a:t>
+            </a:r>
+          </a:p>
+          <a:p>
+            <a:r>
+              <a:rPr lang="en-US" dirty="0" smtClean="0"/>
+              <a:t>Uses strategy pattern to handle what occurs in battle.</a:t>
+            </a:r>
+          </a:p>
+        </p:txBody>
+      </p:sp>
+    </p:spTree>
+    <p:extLst>
+      <p:ext uri="{BB962C8B-B14F-4D97-AF65-F5344CB8AC3E}">
+        <p14:creationId xmlns:p14="http://schemas.microsoft.com/office/powerpoint/2010/main" val="2081787875"/>
       </p:ext>
     </p:extLst>
   </p:cSld>
